--- a/PPT FWD TNSDC 2025.pptx
+++ b/PPT FWD TNSDC 2025.pptx
@@ -120,7 +120,7 @@
   </p:defaultTextStyle>
   <p:extLst>
     <p:ext uri="{EFAFB233-063F-42B5-8137-9DF3F51BA10A}">
-      <p15:sldGuideLst xmlns="" xmlns:p15="http://schemas.microsoft.com/office/powerpoint/2012/main">
+      <p15:sldGuideLst xmlns:p15="http://schemas.microsoft.com/office/powerpoint/2012/main" xmlns="">
         <p15:guide id="1" orient="horz" pos="2880">
           <p15:clr>
             <a:srgbClr val="A4A3A4"/>
@@ -228,7 +228,7 @@
             <a:fld id="{84B86612-B127-4CD0-BF15-66D49A7175F7}" type="datetimeFigureOut">
               <a:rPr lang="en-IN" smtClean="0"/>
               <a:pPr/>
-              <a:t>28-08-2025</a:t>
+              <a:t>31-08-2025</a:t>
             </a:fld>
             <a:endParaRPr lang="en-IN"/>
           </a:p>
@@ -397,7 +397,7 @@
     </p:spTree>
     <p:extLst>
       <p:ext uri="{BB962C8B-B14F-4D97-AF65-F5344CB8AC3E}">
-        <p14:creationId xmlns="" xmlns:p14="http://schemas.microsoft.com/office/powerpoint/2010/main" val="2918557904"/>
+        <p14:creationId xmlns:p14="http://schemas.microsoft.com/office/powerpoint/2010/main" xmlns="" val="2918557904"/>
       </p:ext>
     </p:extLst>
   </p:cSld>
@@ -572,7 +572,7 @@
     </p:spTree>
     <p:extLst>
       <p:ext uri="{BB962C8B-B14F-4D97-AF65-F5344CB8AC3E}">
-        <p14:creationId xmlns="" xmlns:p14="http://schemas.microsoft.com/office/powerpoint/2010/main" val="404353501"/>
+        <p14:creationId xmlns:p14="http://schemas.microsoft.com/office/powerpoint/2010/main" xmlns="" val="404353501"/>
       </p:ext>
     </p:extLst>
   </p:cSld>
@@ -810,7 +810,7 @@
             <a:fld id="{1D8BD707-D9CF-40AE-B4C6-C98DA3205C09}" type="datetimeFigureOut">
               <a:rPr lang="en-US"/>
               <a:pPr/>
-              <a:t>8/28/2025</a:t>
+              <a:t>8/31/2025</a:t>
             </a:fld>
             <a:endParaRPr lang="en-US"/>
           </a:p>
@@ -999,7 +999,7 @@
             <a:fld id="{1D8BD707-D9CF-40AE-B4C6-C98DA3205C09}" type="datetimeFigureOut">
               <a:rPr lang="en-US"/>
               <a:pPr/>
-              <a:t>8/28/2025</a:t>
+              <a:t>8/31/2025</a:t>
             </a:fld>
             <a:endParaRPr lang="en-US"/>
           </a:p>
@@ -1231,7 +1231,7 @@
             <a:fld id="{1D8BD707-D9CF-40AE-B4C6-C98DA3205C09}" type="datetimeFigureOut">
               <a:rPr lang="en-US"/>
               <a:pPr/>
-              <a:t>8/28/2025</a:t>
+              <a:t>8/31/2025</a:t>
             </a:fld>
             <a:endParaRPr lang="en-US"/>
           </a:p>
@@ -1397,7 +1397,7 @@
             <a:fld id="{1D8BD707-D9CF-40AE-B4C6-C98DA3205C09}" type="datetimeFigureOut">
               <a:rPr lang="en-US"/>
               <a:pPr/>
-              <a:t>8/28/2025</a:t>
+              <a:t>8/31/2025</a:t>
             </a:fld>
             <a:endParaRPr lang="en-US"/>
           </a:p>
@@ -1534,7 +1534,7 @@
             <a:fld id="{1D8BD707-D9CF-40AE-B4C6-C98DA3205C09}" type="datetimeFigureOut">
               <a:rPr lang="en-US"/>
               <a:pPr/>
-              <a:t>8/28/2025</a:t>
+              <a:t>8/31/2025</a:t>
             </a:fld>
             <a:endParaRPr lang="en-US"/>
           </a:p>
@@ -2262,7 +2262,7 @@
             <a:fld id="{1D8BD707-D9CF-40AE-B4C6-C98DA3205C09}" type="datetimeFigureOut">
               <a:rPr lang="en-US"/>
               <a:pPr/>
-              <a:t>8/28/2025</a:t>
+              <a:t>8/31/2025</a:t>
             </a:fld>
             <a:endParaRPr lang="en-US"/>
           </a:p>
@@ -2873,7 +2873,7 @@
           <p:cNvPr id="14" name="TextBox 13">
             <a:extLst>
               <a:ext uri="{FF2B5EF4-FFF2-40B4-BE49-F238E27FC236}">
-                <a16:creationId xmlns="" xmlns:a16="http://schemas.microsoft.com/office/drawing/2014/main" id="{D55ADE35-C35B-07C1-F5AA-C33B3DDB802E}"/>
+                <a16:creationId xmlns:a16="http://schemas.microsoft.com/office/drawing/2014/main" xmlns="" id="{D55ADE35-C35B-07C1-F5AA-C33B3DDB802E}"/>
               </a:ext>
             </a:extLst>
           </p:cNvPr>
@@ -2883,7 +2883,7 @@
         <p:spPr>
           <a:xfrm>
             <a:off x="2554542" y="3314150"/>
-            <a:ext cx="8610600" cy="1938992"/>
+            <a:ext cx="8610600" cy="2308324"/>
           </a:xfrm>
           <a:prstGeom prst="rect">
             <a:avLst/>
@@ -2909,14 +2909,10 @@
           <a:p>
             <a:r>
               <a:rPr lang="en-US" sz="2400" dirty="0"/>
-              <a:t>REGISTER NO AND NMID</a:t>
-            </a:r>
-            <a:r>
-              <a:rPr lang="en-US" sz="2400"/>
-              <a:t>: </a:t>
-            </a:r>
-            <a:r>
-              <a:rPr lang="en-US" sz="2400" smtClean="0"/>
+              <a:t>REGISTER NO AND NMID: </a:t>
+            </a:r>
+            <a:r>
+              <a:rPr lang="en-US" sz="2400" dirty="0" smtClean="0"/>
               <a:t>asbru092422k2242</a:t>
             </a:r>
             <a:endParaRPr lang="en-US" sz="2400" dirty="0">
@@ -2941,11 +2937,11 @@
             </a:r>
             <a:r>
               <a:rPr lang="en-US" sz="2400" dirty="0" smtClean="0"/>
-              <a:t>GOVERNMENT ARTS COLLEGE</a:t>
-            </a:r>
-            <a:r>
-              <a:rPr lang="en-US" sz="2400" dirty="0"/>
-              <a:t>/ </a:t>
+              <a:t>GOVERNMENT ARTS </a:t>
+            </a:r>
+            <a:r>
+              <a:rPr lang="en-US" sz="2400" dirty="0" smtClean="0"/>
+              <a:t>COLLEGE,UDUMALPET/ </a:t>
             </a:r>
             <a:r>
               <a:rPr lang="en-US" sz="2400" dirty="0" smtClean="0"/>
@@ -3201,7 +3197,7 @@
           <p:cNvPr id="9" name="TextBox 8">
             <a:extLst>
               <a:ext uri="{FF2B5EF4-FFF2-40B4-BE49-F238E27FC236}">
-                <a16:creationId xmlns="" xmlns:a16="http://schemas.microsoft.com/office/drawing/2014/main" id="{FAD9CEB2-36E1-0550-426B-2FAF97882044}"/>
+                <a16:creationId xmlns:a16="http://schemas.microsoft.com/office/drawing/2014/main" xmlns="" id="{FAD9CEB2-36E1-0550-426B-2FAF97882044}"/>
               </a:ext>
             </a:extLst>
           </p:cNvPr>
@@ -5870,7 +5866,7 @@
           <p:cNvPr id="23" name="TextBox 22">
             <a:extLst>
               <a:ext uri="{FF2B5EF4-FFF2-40B4-BE49-F238E27FC236}">
-                <a16:creationId xmlns="" xmlns:a16="http://schemas.microsoft.com/office/drawing/2014/main" id="{D0827FA3-A9D4-0FE5-45BE-664C8C920E82}"/>
+                <a16:creationId xmlns:a16="http://schemas.microsoft.com/office/drawing/2014/main" xmlns="" id="{D0827FA3-A9D4-0FE5-45BE-664C8C920E82}"/>
               </a:ext>
             </a:extLst>
           </p:cNvPr>
@@ -8158,7 +8154,7 @@
           <p:cNvPr id="2" name="Title 1">
             <a:extLst>
               <a:ext uri="{FF2B5EF4-FFF2-40B4-BE49-F238E27FC236}">
-                <a16:creationId xmlns="" xmlns:a16="http://schemas.microsoft.com/office/drawing/2014/main" id="{6E06195E-16D6-79D8-7A9F-F8EB1FE9E212}"/>
+                <a16:creationId xmlns:a16="http://schemas.microsoft.com/office/drawing/2014/main" xmlns="" id="{6E06195E-16D6-79D8-7A9F-F8EB1FE9E212}"/>
               </a:ext>
             </a:extLst>
           </p:cNvPr>
@@ -8296,7 +8292,7 @@
     </p:spTree>
     <p:extLst>
       <p:ext uri="{BB962C8B-B14F-4D97-AF65-F5344CB8AC3E}">
-        <p14:creationId xmlns="" xmlns:p14="http://schemas.microsoft.com/office/powerpoint/2010/main" val="2720660618"/>
+        <p14:creationId xmlns:p14="http://schemas.microsoft.com/office/powerpoint/2010/main" xmlns="" val="2720660618"/>
       </p:ext>
     </p:extLst>
   </p:cSld>
@@ -8878,7 +8874,7 @@
   <a:extraClrSchemeLst/>
   <a:extLst>
     <a:ext uri="{05A4C25C-085E-4340-85A3-A5531E510DB2}">
-      <thm15:themeFamily xmlns="" xmlns:thm15="http://schemas.microsoft.com/office/thememl/2012/main" name="Office Theme" id="{62F939B6-93AF-4DB8-9C6B-D6C7DFDC589F}" vid="{4A3C46E8-61CC-4603-A589-7422A47A8E4A}"/>
+      <thm15:themeFamily xmlns:thm15="http://schemas.microsoft.com/office/thememl/2012/main" xmlns="" name="Office Theme" id="{62F939B6-93AF-4DB8-9C6B-D6C7DFDC589F}" vid="{4A3C46E8-61CC-4603-A589-7422A47A8E4A}"/>
     </a:ext>
   </a:extLst>
 </a:theme>
